--- a/Doxygen/physics/9. Box2D Cannon Game/Images/figures.pptx
+++ b/Doxygen/physics/9. Box2D Cannon Game/Images/figures.pptx
@@ -6,6 +6,7 @@
   </p:sldMasterIdLst>
   <p:sldIdLst>
     <p:sldId id="474" r:id="rId2"/>
+    <p:sldId id="475" r:id="rId3"/>
   </p:sldIdLst>
   <p:sldSz cx="9144000" cy="6858000" type="screen4x3"/>
   <p:notesSz cx="6858000" cy="9144000"/>
@@ -104,6 +105,11 @@
       </a:defRPr>
     </a:lvl9pPr>
   </p:defaultTextStyle>
+  <p:extLst>
+    <p:ext uri="{EFAFB233-063F-42B5-8137-9DF3F51BA10A}">
+      <p15:sldGuideLst xmlns:p15="http://schemas.microsoft.com/office/powerpoint/2012/main"/>
+    </p:ext>
+  </p:extLst>
 </p:presentation>
 </file>
 
@@ -238,7 +244,7 @@
           <a:p>
             <a:fld id="{C5F54AF0-DD67-41F0-897B-AA0BF403EE70}" type="datetimeFigureOut">
               <a:rPr lang="en-US" smtClean="0"/>
-              <a:t>9/16/2024</a:t>
+              <a:t>9/18/2024</a:t>
             </a:fld>
             <a:endParaRPr lang="en-US"/>
           </a:p>
@@ -408,7 +414,7 @@
           <a:p>
             <a:fld id="{C5F54AF0-DD67-41F0-897B-AA0BF403EE70}" type="datetimeFigureOut">
               <a:rPr lang="en-US" smtClean="0"/>
-              <a:t>9/16/2024</a:t>
+              <a:t>9/18/2024</a:t>
             </a:fld>
             <a:endParaRPr lang="en-US"/>
           </a:p>
@@ -588,7 +594,7 @@
           <a:p>
             <a:fld id="{C5F54AF0-DD67-41F0-897B-AA0BF403EE70}" type="datetimeFigureOut">
               <a:rPr lang="en-US" smtClean="0"/>
-              <a:t>9/16/2024</a:t>
+              <a:t>9/18/2024</a:t>
             </a:fld>
             <a:endParaRPr lang="en-US"/>
           </a:p>
@@ -758,7 +764,7 @@
           <a:p>
             <a:fld id="{C5F54AF0-DD67-41F0-897B-AA0BF403EE70}" type="datetimeFigureOut">
               <a:rPr lang="en-US" smtClean="0"/>
-              <a:t>9/16/2024</a:t>
+              <a:t>9/18/2024</a:t>
             </a:fld>
             <a:endParaRPr lang="en-US"/>
           </a:p>
@@ -1002,7 +1008,7 @@
           <a:p>
             <a:fld id="{C5F54AF0-DD67-41F0-897B-AA0BF403EE70}" type="datetimeFigureOut">
               <a:rPr lang="en-US" smtClean="0"/>
-              <a:t>9/16/2024</a:t>
+              <a:t>9/18/2024</a:t>
             </a:fld>
             <a:endParaRPr lang="en-US"/>
           </a:p>
@@ -1234,7 +1240,7 @@
           <a:p>
             <a:fld id="{C5F54AF0-DD67-41F0-897B-AA0BF403EE70}" type="datetimeFigureOut">
               <a:rPr lang="en-US" smtClean="0"/>
-              <a:t>9/16/2024</a:t>
+              <a:t>9/18/2024</a:t>
             </a:fld>
             <a:endParaRPr lang="en-US"/>
           </a:p>
@@ -1601,7 +1607,7 @@
           <a:p>
             <a:fld id="{C5F54AF0-DD67-41F0-897B-AA0BF403EE70}" type="datetimeFigureOut">
               <a:rPr lang="en-US" smtClean="0"/>
-              <a:t>9/16/2024</a:t>
+              <a:t>9/18/2024</a:t>
             </a:fld>
             <a:endParaRPr lang="en-US"/>
           </a:p>
@@ -1719,7 +1725,7 @@
           <a:p>
             <a:fld id="{C5F54AF0-DD67-41F0-897B-AA0BF403EE70}" type="datetimeFigureOut">
               <a:rPr lang="en-US" smtClean="0"/>
-              <a:t>9/16/2024</a:t>
+              <a:t>9/18/2024</a:t>
             </a:fld>
             <a:endParaRPr lang="en-US"/>
           </a:p>
@@ -1814,7 +1820,7 @@
           <a:p>
             <a:fld id="{C5F54AF0-DD67-41F0-897B-AA0BF403EE70}" type="datetimeFigureOut">
               <a:rPr lang="en-US" smtClean="0"/>
-              <a:t>9/16/2024</a:t>
+              <a:t>9/18/2024</a:t>
             </a:fld>
             <a:endParaRPr lang="en-US"/>
           </a:p>
@@ -2091,7 +2097,7 @@
           <a:p>
             <a:fld id="{C5F54AF0-DD67-41F0-897B-AA0BF403EE70}" type="datetimeFigureOut">
               <a:rPr lang="en-US" smtClean="0"/>
-              <a:t>9/16/2024</a:t>
+              <a:t>9/18/2024</a:t>
             </a:fld>
             <a:endParaRPr lang="en-US"/>
           </a:p>
@@ -2348,7 +2354,7 @@
           <a:p>
             <a:fld id="{C5F54AF0-DD67-41F0-897B-AA0BF403EE70}" type="datetimeFigureOut">
               <a:rPr lang="en-US" smtClean="0"/>
-              <a:t>9/16/2024</a:t>
+              <a:t>9/18/2024</a:t>
             </a:fld>
             <a:endParaRPr lang="en-US"/>
           </a:p>
@@ -2561,7 +2567,7 @@
           <a:p>
             <a:fld id="{C5F54AF0-DD67-41F0-897B-AA0BF403EE70}" type="datetimeFigureOut">
               <a:rPr lang="en-US" smtClean="0"/>
-              <a:t>9/16/2024</a:t>
+              <a:t>9/18/2024</a:t>
             </a:fld>
             <a:endParaRPr lang="en-US"/>
           </a:p>
@@ -3397,8 +3403,8 @@
           </a:p>
         </p:txBody>
       </p:sp>
-      <mc:AlternateContent xmlns:mc="http://schemas.openxmlformats.org/markup-compatibility/2006">
-        <mc:Choice xmlns:a14="http://schemas.microsoft.com/office/drawing/2010/main" Requires="a14">
+      <mc:AlternateContent xmlns:mc="http://schemas.openxmlformats.org/markup-compatibility/2006" xmlns:a14="http://schemas.microsoft.com/office/drawing/2010/main">
+        <mc:Choice Requires="a14">
           <p:sp>
             <p:nvSpPr>
               <p:cNvPr id="15" name="TextBox 14">
@@ -3427,6 +3433,7 @@
               </a:bodyPr>
               <a:lstStyle/>
               <a:p>
+                <a:pPr/>
                 <a14:m>
                   <m:oMathPara xmlns:m="http://schemas.openxmlformats.org/officeDocument/2006/math">
                     <m:oMathParaPr>
@@ -3447,7 +3454,7 @@
             </p:txBody>
           </p:sp>
         </mc:Choice>
-        <mc:Fallback>
+        <mc:Fallback xmlns="">
           <p:sp>
             <p:nvSpPr>
               <p:cNvPr id="15" name="TextBox 14">
@@ -3492,8 +3499,8 @@
           </p:sp>
         </mc:Fallback>
       </mc:AlternateContent>
-      <mc:AlternateContent xmlns:mc="http://schemas.openxmlformats.org/markup-compatibility/2006">
-        <mc:Choice xmlns:a14="http://schemas.microsoft.com/office/drawing/2010/main" Requires="a14">
+      <mc:AlternateContent xmlns:mc="http://schemas.openxmlformats.org/markup-compatibility/2006" xmlns:a14="http://schemas.microsoft.com/office/drawing/2010/main">
+        <mc:Choice Requires="a14">
           <p:sp>
             <p:nvSpPr>
               <p:cNvPr id="16" name="TextBox 15">
@@ -3522,6 +3529,7 @@
               </a:bodyPr>
               <a:lstStyle/>
               <a:p>
+                <a:pPr/>
                 <a14:m>
                   <m:oMathPara xmlns:m="http://schemas.openxmlformats.org/officeDocument/2006/math">
                     <m:oMathParaPr>
@@ -3561,7 +3569,7 @@
             </p:txBody>
           </p:sp>
         </mc:Choice>
-        <mc:Fallback>
+        <mc:Fallback xmlns="">
           <p:sp>
             <p:nvSpPr>
               <p:cNvPr id="16" name="TextBox 15">
@@ -3606,8 +3614,8 @@
           </p:sp>
         </mc:Fallback>
       </mc:AlternateContent>
-      <mc:AlternateContent xmlns:mc="http://schemas.openxmlformats.org/markup-compatibility/2006">
-        <mc:Choice xmlns:a14="http://schemas.microsoft.com/office/drawing/2010/main" Requires="a14">
+      <mc:AlternateContent xmlns:mc="http://schemas.openxmlformats.org/markup-compatibility/2006" xmlns:a14="http://schemas.microsoft.com/office/drawing/2010/main">
+        <mc:Choice Requires="a14">
           <p:sp>
             <p:nvSpPr>
               <p:cNvPr id="17" name="TextBox 16">
@@ -3636,6 +3644,7 @@
               </a:bodyPr>
               <a:lstStyle/>
               <a:p>
+                <a:pPr/>
                 <a14:m>
                   <m:oMathPara xmlns:m="http://schemas.openxmlformats.org/officeDocument/2006/math">
                     <m:oMathParaPr>
@@ -3675,7 +3684,7 @@
             </p:txBody>
           </p:sp>
         </mc:Choice>
-        <mc:Fallback>
+        <mc:Fallback xmlns="">
           <p:sp>
             <p:nvSpPr>
               <p:cNvPr id="17" name="TextBox 16">
@@ -3738,6 +3747,253 @@
       <p:transition/>
     </mc:Fallback>
   </mc:AlternateContent>
+</p:sld>
+</file>
+
+<file path=ppt/slides/slide2.xml><?xml version="1.0" encoding="utf-8"?>
+<p:sld xmlns:a="http://schemas.openxmlformats.org/drawingml/2006/main" xmlns:r="http://schemas.openxmlformats.org/officeDocument/2006/relationships" xmlns:p="http://schemas.openxmlformats.org/presentationml/2006/main">
+  <p:cSld>
+    <p:spTree>
+      <p:nvGrpSpPr>
+        <p:cNvPr id="1" name=""/>
+        <p:cNvGrpSpPr/>
+        <p:nvPr/>
+      </p:nvGrpSpPr>
+      <p:grpSpPr>
+        <a:xfrm>
+          <a:off x="0" y="0"/>
+          <a:ext cx="0" cy="0"/>
+          <a:chOff x="0" y="0"/>
+          <a:chExt cx="0" cy="0"/>
+        </a:xfrm>
+      </p:grpSpPr>
+      <p:pic>
+        <p:nvPicPr>
+          <p:cNvPr id="3" name="Picture 2" descr="A close-up of a sign&#10;&#10;Description automatically generated">
+            <a:extLst>
+              <a:ext uri="{FF2B5EF4-FFF2-40B4-BE49-F238E27FC236}">
+                <a16:creationId xmlns:a16="http://schemas.microsoft.com/office/drawing/2014/main" id="{339D60AC-05DB-1738-B46C-E2B04E969800}"/>
+              </a:ext>
+            </a:extLst>
+          </p:cNvPr>
+          <p:cNvPicPr>
+            <a:picLocks noChangeAspect="1"/>
+          </p:cNvPicPr>
+          <p:nvPr/>
+        </p:nvPicPr>
+        <p:blipFill>
+          <a:blip r:embed="rId2">
+            <a:extLst>
+              <a:ext uri="{28A0092B-C50C-407E-A947-70E740481C1C}">
+                <a14:useLocalDpi xmlns:a14="http://schemas.microsoft.com/office/drawing/2010/main" val="0"/>
+              </a:ext>
+            </a:extLst>
+          </a:blip>
+          <a:stretch>
+            <a:fillRect/>
+          </a:stretch>
+        </p:blipFill>
+        <p:spPr>
+          <a:xfrm>
+            <a:off x="3357393" y="2928867"/>
+            <a:ext cx="2429214" cy="1000265"/>
+          </a:xfrm>
+          <a:prstGeom prst="rect">
+            <a:avLst/>
+          </a:prstGeom>
+        </p:spPr>
+      </p:pic>
+      <p:cxnSp>
+        <p:nvCxnSpPr>
+          <p:cNvPr id="5" name="Straight Arrow Connector 4">
+            <a:extLst>
+              <a:ext uri="{FF2B5EF4-FFF2-40B4-BE49-F238E27FC236}">
+                <a16:creationId xmlns:a16="http://schemas.microsoft.com/office/drawing/2014/main" id="{F9CC8B6C-5C42-8533-61A1-68A35A8C628B}"/>
+              </a:ext>
+            </a:extLst>
+          </p:cNvPr>
+          <p:cNvCxnSpPr>
+            <a:cxnSpLocks/>
+          </p:cNvCxnSpPr>
+          <p:nvPr/>
+        </p:nvCxnSpPr>
+        <p:spPr>
+          <a:xfrm flipV="1">
+            <a:off x="3910222" y="2146067"/>
+            <a:ext cx="0" cy="782800"/>
+          </a:xfrm>
+          <a:prstGeom prst="straightConnector1">
+            <a:avLst/>
+          </a:prstGeom>
+          <a:ln w="25400">
+            <a:solidFill>
+              <a:schemeClr val="accent6">
+                <a:lumMod val="75000"/>
+              </a:schemeClr>
+            </a:solidFill>
+            <a:headEnd type="arrow" w="med" len="lg"/>
+            <a:tailEnd type="none"/>
+          </a:ln>
+          <a:effectLst>
+            <a:outerShdw blurRad="50800" dist="38100" dir="2700000" algn="tl" rotWithShape="0">
+              <a:prstClr val="black">
+                <a:alpha val="40000"/>
+              </a:prstClr>
+            </a:outerShdw>
+          </a:effectLst>
+        </p:spPr>
+        <p:style>
+          <a:lnRef idx="1">
+            <a:schemeClr val="accent1"/>
+          </a:lnRef>
+          <a:fillRef idx="0">
+            <a:schemeClr val="accent1"/>
+          </a:fillRef>
+          <a:effectRef idx="0">
+            <a:schemeClr val="accent1"/>
+          </a:effectRef>
+          <a:fontRef idx="minor">
+            <a:schemeClr val="tx1"/>
+          </a:fontRef>
+        </p:style>
+      </p:cxnSp>
+      <p:cxnSp>
+        <p:nvCxnSpPr>
+          <p:cNvPr id="6" name="Straight Arrow Connector 5">
+            <a:extLst>
+              <a:ext uri="{FF2B5EF4-FFF2-40B4-BE49-F238E27FC236}">
+                <a16:creationId xmlns:a16="http://schemas.microsoft.com/office/drawing/2014/main" id="{20D4F9C9-2139-82EB-86EC-D4E421E451FB}"/>
+              </a:ext>
+            </a:extLst>
+          </p:cNvPr>
+          <p:cNvCxnSpPr/>
+          <p:nvPr/>
+        </p:nvCxnSpPr>
+        <p:spPr>
+          <a:xfrm flipV="1">
+            <a:off x="4178300" y="2515399"/>
+            <a:ext cx="0" cy="413468"/>
+          </a:xfrm>
+          <a:prstGeom prst="straightConnector1">
+            <a:avLst/>
+          </a:prstGeom>
+          <a:ln w="25400">
+            <a:headEnd type="arrow" w="med" len="lg"/>
+            <a:tailEnd type="none"/>
+          </a:ln>
+          <a:effectLst>
+            <a:outerShdw blurRad="50800" dist="38100" dir="2700000" algn="tl" rotWithShape="0">
+              <a:prstClr val="black">
+                <a:alpha val="40000"/>
+              </a:prstClr>
+            </a:outerShdw>
+          </a:effectLst>
+        </p:spPr>
+        <p:style>
+          <a:lnRef idx="1">
+            <a:schemeClr val="accent1"/>
+          </a:lnRef>
+          <a:fillRef idx="0">
+            <a:schemeClr val="accent1"/>
+          </a:fillRef>
+          <a:effectRef idx="0">
+            <a:schemeClr val="accent1"/>
+          </a:effectRef>
+          <a:fontRef idx="minor">
+            <a:schemeClr val="tx1"/>
+          </a:fontRef>
+        </p:style>
+      </p:cxnSp>
+      <p:sp>
+        <p:nvSpPr>
+          <p:cNvPr id="7" name="TextBox 6">
+            <a:extLst>
+              <a:ext uri="{FF2B5EF4-FFF2-40B4-BE49-F238E27FC236}">
+                <a16:creationId xmlns:a16="http://schemas.microsoft.com/office/drawing/2014/main" id="{5A836547-A1FA-AAD7-48EA-8FEB6D2A3ED9}"/>
+              </a:ext>
+            </a:extLst>
+          </p:cNvPr>
+          <p:cNvSpPr txBox="1"/>
+          <p:nvPr/>
+        </p:nvSpPr>
+        <p:spPr>
+          <a:xfrm>
+            <a:off x="3756752" y="1785797"/>
+            <a:ext cx="2387899" cy="369332"/>
+          </a:xfrm>
+          <a:prstGeom prst="rect">
+            <a:avLst/>
+          </a:prstGeom>
+          <a:noFill/>
+        </p:spPr>
+        <p:txBody>
+          <a:bodyPr wrap="square" rtlCol="0">
+            <a:spAutoFit/>
+          </a:bodyPr>
+          <a:lstStyle/>
+          <a:p>
+            <a:r>
+              <a:rPr lang="en-US" dirty="0">
+                <a:solidFill>
+                  <a:schemeClr val="accent6">
+                    <a:lumMod val="75000"/>
+                  </a:schemeClr>
+                </a:solidFill>
+              </a:rPr>
+              <a:t>Current temperature</a:t>
+            </a:r>
+          </a:p>
+        </p:txBody>
+      </p:sp>
+      <p:sp>
+        <p:nvSpPr>
+          <p:cNvPr id="8" name="TextBox 7">
+            <a:extLst>
+              <a:ext uri="{FF2B5EF4-FFF2-40B4-BE49-F238E27FC236}">
+                <a16:creationId xmlns:a16="http://schemas.microsoft.com/office/drawing/2014/main" id="{03CE4F65-DCE5-14AB-2C85-6B585A658486}"/>
+              </a:ext>
+            </a:extLst>
+          </p:cNvPr>
+          <p:cNvSpPr txBox="1"/>
+          <p:nvPr/>
+        </p:nvSpPr>
+        <p:spPr>
+          <a:xfrm>
+            <a:off x="4002795" y="2155129"/>
+            <a:ext cx="3962401" cy="369332"/>
+          </a:xfrm>
+          <a:prstGeom prst="rect">
+            <a:avLst/>
+          </a:prstGeom>
+          <a:noFill/>
+        </p:spPr>
+        <p:txBody>
+          <a:bodyPr wrap="square" rtlCol="0">
+            <a:spAutoFit/>
+          </a:bodyPr>
+          <a:lstStyle/>
+          <a:p>
+            <a:r>
+              <a:rPr lang="en-US" dirty="0">
+                <a:solidFill>
+                  <a:schemeClr val="accent1"/>
+                </a:solidFill>
+              </a:rPr>
+              <a:t>Max. temperature achieved</a:t>
+            </a:r>
+          </a:p>
+        </p:txBody>
+      </p:sp>
+    </p:spTree>
+    <p:extLst>
+      <p:ext uri="{BB962C8B-B14F-4D97-AF65-F5344CB8AC3E}">
+        <p14:creationId xmlns:p14="http://schemas.microsoft.com/office/powerpoint/2010/main" val="1571742664"/>
+      </p:ext>
+    </p:extLst>
+  </p:cSld>
+  <p:clrMapOvr>
+    <a:masterClrMapping/>
+  </p:clrMapOvr>
 </p:sld>
 </file>
 
